--- a/ゲーム会社プレゼン.pptx
+++ b/ゲーム会社プレゼン.pptx
@@ -344,7 +344,7 @@
           <a:p>
             <a:fld id="{911F3A23-125E-493B-AAC8-3A5D8AD4BD0F}" type="datetimeFigureOut">
               <a:rPr kumimoji="1" lang="ja-JP" altLang="en-US" smtClean="0"/>
-              <a:t>2023/11/13</a:t>
+              <a:t>2023/11/16</a:t>
             </a:fld>
             <a:endParaRPr kumimoji="1" lang="ja-JP" altLang="en-US"/>
           </a:p>
@@ -678,7 +678,7 @@
           <a:p>
             <a:fld id="{911F3A23-125E-493B-AAC8-3A5D8AD4BD0F}" type="datetimeFigureOut">
               <a:rPr kumimoji="1" lang="ja-JP" altLang="en-US" smtClean="0"/>
-              <a:t>2023/11/13</a:t>
+              <a:t>2023/11/16</a:t>
             </a:fld>
             <a:endParaRPr kumimoji="1" lang="ja-JP" altLang="en-US"/>
           </a:p>
@@ -956,7 +956,7 @@
           <a:p>
             <a:fld id="{911F3A23-125E-493B-AAC8-3A5D8AD4BD0F}" type="datetimeFigureOut">
               <a:rPr kumimoji="1" lang="ja-JP" altLang="en-US" smtClean="0"/>
-              <a:t>2023/11/13</a:t>
+              <a:t>2023/11/16</a:t>
             </a:fld>
             <a:endParaRPr kumimoji="1" lang="ja-JP" altLang="en-US"/>
           </a:p>
@@ -1524,7 +1524,7 @@
           <a:p>
             <a:fld id="{911F3A23-125E-493B-AAC8-3A5D8AD4BD0F}" type="datetimeFigureOut">
               <a:rPr kumimoji="1" lang="ja-JP" altLang="en-US" smtClean="0"/>
-              <a:t>2023/11/13</a:t>
+              <a:t>2023/11/16</a:t>
             </a:fld>
             <a:endParaRPr kumimoji="1" lang="ja-JP" altLang="en-US"/>
           </a:p>
@@ -1802,7 +1802,7 @@
           <a:p>
             <a:fld id="{911F3A23-125E-493B-AAC8-3A5D8AD4BD0F}" type="datetimeFigureOut">
               <a:rPr kumimoji="1" lang="ja-JP" altLang="en-US" smtClean="0"/>
-              <a:t>2023/11/13</a:t>
+              <a:t>2023/11/16</a:t>
             </a:fld>
             <a:endParaRPr kumimoji="1" lang="ja-JP" altLang="en-US"/>
           </a:p>
@@ -2364,7 +2364,7 @@
           <a:p>
             <a:fld id="{911F3A23-125E-493B-AAC8-3A5D8AD4BD0F}" type="datetimeFigureOut">
               <a:rPr kumimoji="1" lang="ja-JP" altLang="en-US" smtClean="0"/>
-              <a:t>2023/11/13</a:t>
+              <a:t>2023/11/16</a:t>
             </a:fld>
             <a:endParaRPr kumimoji="1" lang="ja-JP" altLang="en-US"/>
           </a:p>
@@ -2691,7 +2691,7 @@
           <a:p>
             <a:fld id="{911F3A23-125E-493B-AAC8-3A5D8AD4BD0F}" type="datetimeFigureOut">
               <a:rPr kumimoji="1" lang="ja-JP" altLang="en-US" smtClean="0"/>
-              <a:t>2023/11/13</a:t>
+              <a:t>2023/11/16</a:t>
             </a:fld>
             <a:endParaRPr kumimoji="1" lang="ja-JP" altLang="en-US"/>
           </a:p>
@@ -2900,7 +2900,7 @@
           <a:p>
             <a:fld id="{911F3A23-125E-493B-AAC8-3A5D8AD4BD0F}" type="datetimeFigureOut">
               <a:rPr kumimoji="1" lang="ja-JP" altLang="en-US" smtClean="0"/>
-              <a:t>2023/11/13</a:t>
+              <a:t>2023/11/16</a:t>
             </a:fld>
             <a:endParaRPr kumimoji="1" lang="ja-JP" altLang="en-US"/>
           </a:p>
@@ -3170,7 +3170,7 @@
           <a:p>
             <a:fld id="{911F3A23-125E-493B-AAC8-3A5D8AD4BD0F}" type="datetimeFigureOut">
               <a:rPr kumimoji="1" lang="ja-JP" altLang="en-US" smtClean="0"/>
-              <a:t>2023/11/13</a:t>
+              <a:t>2023/11/16</a:t>
             </a:fld>
             <a:endParaRPr kumimoji="1" lang="ja-JP" altLang="en-US"/>
           </a:p>
@@ -3377,7 +3377,7 @@
           <a:p>
             <a:fld id="{911F3A23-125E-493B-AAC8-3A5D8AD4BD0F}" type="datetimeFigureOut">
               <a:rPr kumimoji="1" lang="ja-JP" altLang="en-US" smtClean="0"/>
-              <a:t>2023/11/13</a:t>
+              <a:t>2023/11/16</a:t>
             </a:fld>
             <a:endParaRPr kumimoji="1" lang="ja-JP" altLang="en-US"/>
           </a:p>
@@ -3609,7 +3609,7 @@
           <a:p>
             <a:fld id="{911F3A23-125E-493B-AAC8-3A5D8AD4BD0F}" type="datetimeFigureOut">
               <a:rPr kumimoji="1" lang="ja-JP" altLang="en-US" smtClean="0"/>
-              <a:t>2023/11/13</a:t>
+              <a:t>2023/11/16</a:t>
             </a:fld>
             <a:endParaRPr kumimoji="1" lang="ja-JP" altLang="en-US"/>
           </a:p>
@@ -3885,7 +3885,7 @@
           <a:p>
             <a:fld id="{911F3A23-125E-493B-AAC8-3A5D8AD4BD0F}" type="datetimeFigureOut">
               <a:rPr kumimoji="1" lang="ja-JP" altLang="en-US" smtClean="0"/>
-              <a:t>2023/11/13</a:t>
+              <a:t>2023/11/16</a:t>
             </a:fld>
             <a:endParaRPr kumimoji="1" lang="ja-JP" altLang="en-US"/>
           </a:p>
@@ -4215,7 +4215,7 @@
           <a:p>
             <a:fld id="{911F3A23-125E-493B-AAC8-3A5D8AD4BD0F}" type="datetimeFigureOut">
               <a:rPr kumimoji="1" lang="ja-JP" altLang="en-US" smtClean="0"/>
-              <a:t>2023/11/13</a:t>
+              <a:t>2023/11/16</a:t>
             </a:fld>
             <a:endParaRPr kumimoji="1" lang="ja-JP" altLang="en-US"/>
           </a:p>
@@ -4653,7 +4653,7 @@
           <a:p>
             <a:fld id="{911F3A23-125E-493B-AAC8-3A5D8AD4BD0F}" type="datetimeFigureOut">
               <a:rPr kumimoji="1" lang="ja-JP" altLang="en-US" smtClean="0"/>
-              <a:t>2023/11/13</a:t>
+              <a:t>2023/11/16</a:t>
             </a:fld>
             <a:endParaRPr kumimoji="1" lang="ja-JP" altLang="en-US"/>
           </a:p>
@@ -4801,7 +4801,7 @@
           <a:p>
             <a:fld id="{911F3A23-125E-493B-AAC8-3A5D8AD4BD0F}" type="datetimeFigureOut">
               <a:rPr kumimoji="1" lang="ja-JP" altLang="en-US" smtClean="0"/>
-              <a:t>2023/11/13</a:t>
+              <a:t>2023/11/16</a:t>
             </a:fld>
             <a:endParaRPr kumimoji="1" lang="ja-JP" altLang="en-US"/>
           </a:p>
@@ -4926,7 +4926,7 @@
           <a:p>
             <a:fld id="{911F3A23-125E-493B-AAC8-3A5D8AD4BD0F}" type="datetimeFigureOut">
               <a:rPr kumimoji="1" lang="ja-JP" altLang="en-US" smtClean="0"/>
-              <a:t>2023/11/13</a:t>
+              <a:t>2023/11/16</a:t>
             </a:fld>
             <a:endParaRPr kumimoji="1" lang="ja-JP" altLang="en-US"/>
           </a:p>
@@ -5243,7 +5243,7 @@
           <a:p>
             <a:fld id="{911F3A23-125E-493B-AAC8-3A5D8AD4BD0F}" type="datetimeFigureOut">
               <a:rPr kumimoji="1" lang="ja-JP" altLang="en-US" smtClean="0"/>
-              <a:t>2023/11/13</a:t>
+              <a:t>2023/11/16</a:t>
             </a:fld>
             <a:endParaRPr kumimoji="1" lang="ja-JP" altLang="en-US"/>
           </a:p>
@@ -5567,7 +5567,7 @@
           <a:p>
             <a:fld id="{911F3A23-125E-493B-AAC8-3A5D8AD4BD0F}" type="datetimeFigureOut">
               <a:rPr kumimoji="1" lang="ja-JP" altLang="en-US" smtClean="0"/>
-              <a:t>2023/11/13</a:t>
+              <a:t>2023/11/16</a:t>
             </a:fld>
             <a:endParaRPr kumimoji="1" lang="ja-JP" altLang="en-US"/>
           </a:p>
@@ -5813,7 +5813,7 @@
           <a:p>
             <a:fld id="{911F3A23-125E-493B-AAC8-3A5D8AD4BD0F}" type="datetimeFigureOut">
               <a:rPr kumimoji="1" lang="ja-JP" altLang="en-US" smtClean="0"/>
-              <a:t>2023/11/13</a:t>
+              <a:t>2023/11/16</a:t>
             </a:fld>
             <a:endParaRPr kumimoji="1" lang="ja-JP" altLang="en-US"/>
           </a:p>
@@ -6774,8 +6774,8 @@
         </p:blipFill>
         <p:spPr>
           <a:xfrm>
-            <a:off x="7230083" y="586854"/>
-            <a:ext cx="4521471" cy="2554630"/>
+            <a:off x="6968012" y="457201"/>
+            <a:ext cx="4521471" cy="2748639"/>
           </a:xfrm>
           <a:prstGeom prst="rect">
             <a:avLst/>
@@ -6807,8 +6807,8 @@
         </p:blipFill>
         <p:spPr>
           <a:xfrm>
-            <a:off x="7230083" y="3429000"/>
-            <a:ext cx="4783542" cy="2237962"/>
+            <a:off x="6968012" y="3652160"/>
+            <a:ext cx="4783542" cy="2618986"/>
           </a:xfrm>
           <a:prstGeom prst="rect">
             <a:avLst/>
@@ -7435,7 +7435,7 @@
         </p:nvSpPr>
         <p:spPr>
           <a:xfrm>
-            <a:off x="685800" y="1956235"/>
+            <a:off x="685801" y="1930114"/>
             <a:ext cx="10394707" cy="4318286"/>
           </a:xfrm>
         </p:spPr>
@@ -7443,7 +7443,94 @@
           <a:bodyPr/>
           <a:lstStyle/>
           <a:p>
-            <a:endParaRPr kumimoji="1" lang="ja-JP" altLang="en-US" dirty="0"/>
+            <a:pPr marL="0" indent="0">
+              <a:buNone/>
+            </a:pPr>
+            <a:r>
+              <a:rPr lang="en-US" altLang="ja-JP" dirty="0"/>
+              <a:t>1994</a:t>
+            </a:r>
+            <a:r>
+              <a:rPr lang="ja-JP" altLang="en-US" dirty="0"/>
+              <a:t>年にチュンソフトより発売されたかまいたちの夜である</a:t>
+            </a:r>
+            <a:endParaRPr lang="en-US" altLang="ja-JP" dirty="0"/>
+          </a:p>
+          <a:p>
+            <a:pPr marL="0" indent="0">
+              <a:buNone/>
+            </a:pPr>
+            <a:r>
+              <a:rPr lang="ja-JP" altLang="en-US" dirty="0"/>
+              <a:t>ちなみに</a:t>
+            </a:r>
+            <a:r>
+              <a:rPr lang="en-US" altLang="ja-JP" dirty="0"/>
+              <a:t>2</a:t>
+            </a:r>
+            <a:r>
+              <a:rPr lang="ja-JP" altLang="en-US" dirty="0"/>
+              <a:t>は特別扁の続編と</a:t>
+            </a:r>
+            <a:r>
+              <a:rPr lang="ja-JP" altLang="en-US"/>
+              <a:t>なっており</a:t>
+            </a:r>
+            <a:endParaRPr lang="en-US" altLang="ja-JP" dirty="0"/>
+          </a:p>
+          <a:p>
+            <a:pPr marL="0" indent="0">
+              <a:buNone/>
+            </a:pPr>
+            <a:endParaRPr kumimoji="1" lang="en-US" altLang="ja-JP" dirty="0"/>
+          </a:p>
+          <a:p>
+            <a:pPr marL="0" indent="0">
+              <a:buNone/>
+            </a:pPr>
+            <a:endParaRPr lang="en-US" altLang="ja-JP" dirty="0"/>
+          </a:p>
+          <a:p>
+            <a:pPr marL="0" indent="0">
+              <a:buNone/>
+            </a:pPr>
+            <a:endParaRPr kumimoji="1" lang="en-US" altLang="ja-JP" dirty="0"/>
+          </a:p>
+          <a:p>
+            <a:pPr marL="0" indent="0">
+              <a:buNone/>
+            </a:pPr>
+            <a:endParaRPr lang="en-US" altLang="ja-JP" dirty="0"/>
+          </a:p>
+          <a:p>
+            <a:pPr marL="0" indent="0">
+              <a:buNone/>
+            </a:pPr>
+            <a:endParaRPr kumimoji="1" lang="en-US" altLang="ja-JP" dirty="0"/>
+          </a:p>
+          <a:p>
+            <a:pPr marL="0" indent="0">
+              <a:buNone/>
+            </a:pPr>
+            <a:endParaRPr lang="en-US" altLang="ja-JP" dirty="0"/>
+          </a:p>
+          <a:p>
+            <a:pPr marL="0" indent="0">
+              <a:buNone/>
+            </a:pPr>
+            <a:endParaRPr kumimoji="1" lang="en-US" altLang="ja-JP" dirty="0"/>
+          </a:p>
+          <a:p>
+            <a:pPr marL="0" indent="0">
+              <a:buNone/>
+            </a:pPr>
+            <a:endParaRPr lang="en-US" altLang="ja-JP" dirty="0"/>
+          </a:p>
+          <a:p>
+            <a:pPr marL="0" indent="0">
+              <a:buNone/>
+            </a:pPr>
+            <a:endParaRPr kumimoji="1" lang="en-US" altLang="ja-JP" dirty="0"/>
           </a:p>
         </p:txBody>
       </p:sp>
@@ -7461,7 +7548,7 @@
         </p:nvSpPr>
         <p:spPr>
           <a:xfrm>
-            <a:off x="955343" y="1433015"/>
+            <a:off x="810200" y="1313695"/>
             <a:ext cx="5459105" cy="523220"/>
           </a:xfrm>
           <a:prstGeom prst="rect">
@@ -7485,6 +7572,100 @@
           </a:p>
         </p:txBody>
       </p:sp>
+      <p:pic>
+        <p:nvPicPr>
+          <p:cNvPr id="1028" name="Picture 4" descr="ゲオ公式通販サイト ゲオオンラインストア【中古】かまいたちの夜 特別篇: ゲーム">
+            <a:extLst>
+              <a:ext uri="{FF2B5EF4-FFF2-40B4-BE49-F238E27FC236}">
+                <a16:creationId xmlns:a16="http://schemas.microsoft.com/office/drawing/2014/main" id="{E4C70D17-FBAB-446B-AF80-255F54B10519}"/>
+              </a:ext>
+            </a:extLst>
+          </p:cNvPr>
+          <p:cNvPicPr>
+            <a:picLocks noChangeAspect="1" noChangeArrowheads="1"/>
+          </p:cNvPicPr>
+          <p:nvPr/>
+        </p:nvPicPr>
+        <p:blipFill>
+          <a:blip r:embed="rId2">
+            <a:extLst>
+              <a:ext uri="{28A0092B-C50C-407E-A947-70E740481C1C}">
+                <a14:useLocalDpi xmlns:a14="http://schemas.microsoft.com/office/drawing/2010/main" val="0"/>
+              </a:ext>
+            </a:extLst>
+          </a:blip>
+          <a:srcRect/>
+          <a:stretch>
+            <a:fillRect/>
+          </a:stretch>
+        </p:blipFill>
+        <p:spPr bwMode="auto">
+          <a:xfrm>
+            <a:off x="6851176" y="336468"/>
+            <a:ext cx="2658754" cy="2664072"/>
+          </a:xfrm>
+          <a:prstGeom prst="rect">
+            <a:avLst/>
+          </a:prstGeom>
+          <a:noFill/>
+          <a:extLst>
+            <a:ext uri="{909E8E84-426E-40DD-AFC4-6F175D3DCCD1}">
+              <a14:hiddenFill xmlns:a14="http://schemas.microsoft.com/office/drawing/2010/main">
+                <a:solidFill>
+                  <a:srgbClr val="FFFFFF"/>
+                </a:solidFill>
+              </a14:hiddenFill>
+            </a:ext>
+          </a:extLst>
+        </p:spPr>
+      </p:pic>
+      <p:pic>
+        <p:nvPicPr>
+          <p:cNvPr id="1030" name="Picture 6" descr="感想「かまいたちの夜2～監獄島のわらべ唄～」（完全ネタバレ） - 傍線部Aより愛を込めて ～映画の傍線部解釈～">
+            <a:extLst>
+              <a:ext uri="{FF2B5EF4-FFF2-40B4-BE49-F238E27FC236}">
+                <a16:creationId xmlns:a16="http://schemas.microsoft.com/office/drawing/2014/main" id="{329CDE89-BA92-49E0-BF95-B71A9B12302F}"/>
+              </a:ext>
+            </a:extLst>
+          </p:cNvPr>
+          <p:cNvPicPr>
+            <a:picLocks noChangeAspect="1" noChangeArrowheads="1"/>
+          </p:cNvPicPr>
+          <p:nvPr/>
+        </p:nvPicPr>
+        <p:blipFill>
+          <a:blip r:embed="rId3">
+            <a:extLst>
+              <a:ext uri="{28A0092B-C50C-407E-A947-70E740481C1C}">
+                <a14:useLocalDpi xmlns:a14="http://schemas.microsoft.com/office/drawing/2010/main" val="0"/>
+              </a:ext>
+            </a:extLst>
+          </a:blip>
+          <a:srcRect/>
+          <a:stretch>
+            <a:fillRect/>
+          </a:stretch>
+        </p:blipFill>
+        <p:spPr bwMode="auto">
+          <a:xfrm>
+            <a:off x="7724842" y="3271221"/>
+            <a:ext cx="2143294" cy="2977179"/>
+          </a:xfrm>
+          <a:prstGeom prst="rect">
+            <a:avLst/>
+          </a:prstGeom>
+          <a:noFill/>
+          <a:extLst>
+            <a:ext uri="{909E8E84-426E-40DD-AFC4-6F175D3DCCD1}">
+              <a14:hiddenFill xmlns:a14="http://schemas.microsoft.com/office/drawing/2010/main">
+                <a:solidFill>
+                  <a:srgbClr val="FFFFFF"/>
+                </a:solidFill>
+              </a14:hiddenFill>
+            </a:ext>
+          </a:extLst>
+        </p:spPr>
+      </p:pic>
     </p:spTree>
     <p:extLst>
       <p:ext uri="{BB962C8B-B14F-4D97-AF65-F5344CB8AC3E}">

--- a/ゲーム会社プレゼン.pptx
+++ b/ゲーム会社プレゼン.pptx
@@ -9,6 +9,7 @@
     <p:sldId id="257" r:id="rId3"/>
     <p:sldId id="258" r:id="rId4"/>
     <p:sldId id="259" r:id="rId5"/>
+    <p:sldId id="260" r:id="rId6"/>
   </p:sldIdLst>
   <p:sldSz cx="12192000" cy="6858000"/>
   <p:notesSz cx="6858000" cy="9144000"/>
@@ -344,7 +345,7 @@
           <a:p>
             <a:fld id="{911F3A23-125E-493B-AAC8-3A5D8AD4BD0F}" type="datetimeFigureOut">
               <a:rPr kumimoji="1" lang="ja-JP" altLang="en-US" smtClean="0"/>
-              <a:t>2023/11/16</a:t>
+              <a:t>2023/11/17</a:t>
             </a:fld>
             <a:endParaRPr kumimoji="1" lang="ja-JP" altLang="en-US"/>
           </a:p>
@@ -678,7 +679,7 @@
           <a:p>
             <a:fld id="{911F3A23-125E-493B-AAC8-3A5D8AD4BD0F}" type="datetimeFigureOut">
               <a:rPr kumimoji="1" lang="ja-JP" altLang="en-US" smtClean="0"/>
-              <a:t>2023/11/16</a:t>
+              <a:t>2023/11/17</a:t>
             </a:fld>
             <a:endParaRPr kumimoji="1" lang="ja-JP" altLang="en-US"/>
           </a:p>
@@ -956,7 +957,7 @@
           <a:p>
             <a:fld id="{911F3A23-125E-493B-AAC8-3A5D8AD4BD0F}" type="datetimeFigureOut">
               <a:rPr kumimoji="1" lang="ja-JP" altLang="en-US" smtClean="0"/>
-              <a:t>2023/11/16</a:t>
+              <a:t>2023/11/17</a:t>
             </a:fld>
             <a:endParaRPr kumimoji="1" lang="ja-JP" altLang="en-US"/>
           </a:p>
@@ -1524,7 +1525,7 @@
           <a:p>
             <a:fld id="{911F3A23-125E-493B-AAC8-3A5D8AD4BD0F}" type="datetimeFigureOut">
               <a:rPr kumimoji="1" lang="ja-JP" altLang="en-US" smtClean="0"/>
-              <a:t>2023/11/16</a:t>
+              <a:t>2023/11/17</a:t>
             </a:fld>
             <a:endParaRPr kumimoji="1" lang="ja-JP" altLang="en-US"/>
           </a:p>
@@ -1802,7 +1803,7 @@
           <a:p>
             <a:fld id="{911F3A23-125E-493B-AAC8-3A5D8AD4BD0F}" type="datetimeFigureOut">
               <a:rPr kumimoji="1" lang="ja-JP" altLang="en-US" smtClean="0"/>
-              <a:t>2023/11/16</a:t>
+              <a:t>2023/11/17</a:t>
             </a:fld>
             <a:endParaRPr kumimoji="1" lang="ja-JP" altLang="en-US"/>
           </a:p>
@@ -2364,7 +2365,7 @@
           <a:p>
             <a:fld id="{911F3A23-125E-493B-AAC8-3A5D8AD4BD0F}" type="datetimeFigureOut">
               <a:rPr kumimoji="1" lang="ja-JP" altLang="en-US" smtClean="0"/>
-              <a:t>2023/11/16</a:t>
+              <a:t>2023/11/17</a:t>
             </a:fld>
             <a:endParaRPr kumimoji="1" lang="ja-JP" altLang="en-US"/>
           </a:p>
@@ -2691,7 +2692,7 @@
           <a:p>
             <a:fld id="{911F3A23-125E-493B-AAC8-3A5D8AD4BD0F}" type="datetimeFigureOut">
               <a:rPr kumimoji="1" lang="ja-JP" altLang="en-US" smtClean="0"/>
-              <a:t>2023/11/16</a:t>
+              <a:t>2023/11/17</a:t>
             </a:fld>
             <a:endParaRPr kumimoji="1" lang="ja-JP" altLang="en-US"/>
           </a:p>
@@ -2900,7 +2901,7 @@
           <a:p>
             <a:fld id="{911F3A23-125E-493B-AAC8-3A5D8AD4BD0F}" type="datetimeFigureOut">
               <a:rPr kumimoji="1" lang="ja-JP" altLang="en-US" smtClean="0"/>
-              <a:t>2023/11/16</a:t>
+              <a:t>2023/11/17</a:t>
             </a:fld>
             <a:endParaRPr kumimoji="1" lang="ja-JP" altLang="en-US"/>
           </a:p>
@@ -3170,7 +3171,7 @@
           <a:p>
             <a:fld id="{911F3A23-125E-493B-AAC8-3A5D8AD4BD0F}" type="datetimeFigureOut">
               <a:rPr kumimoji="1" lang="ja-JP" altLang="en-US" smtClean="0"/>
-              <a:t>2023/11/16</a:t>
+              <a:t>2023/11/17</a:t>
             </a:fld>
             <a:endParaRPr kumimoji="1" lang="ja-JP" altLang="en-US"/>
           </a:p>
@@ -3377,7 +3378,7 @@
           <a:p>
             <a:fld id="{911F3A23-125E-493B-AAC8-3A5D8AD4BD0F}" type="datetimeFigureOut">
               <a:rPr kumimoji="1" lang="ja-JP" altLang="en-US" smtClean="0"/>
-              <a:t>2023/11/16</a:t>
+              <a:t>2023/11/17</a:t>
             </a:fld>
             <a:endParaRPr kumimoji="1" lang="ja-JP" altLang="en-US"/>
           </a:p>
@@ -3609,7 +3610,7 @@
           <a:p>
             <a:fld id="{911F3A23-125E-493B-AAC8-3A5D8AD4BD0F}" type="datetimeFigureOut">
               <a:rPr kumimoji="1" lang="ja-JP" altLang="en-US" smtClean="0"/>
-              <a:t>2023/11/16</a:t>
+              <a:t>2023/11/17</a:t>
             </a:fld>
             <a:endParaRPr kumimoji="1" lang="ja-JP" altLang="en-US"/>
           </a:p>
@@ -3885,7 +3886,7 @@
           <a:p>
             <a:fld id="{911F3A23-125E-493B-AAC8-3A5D8AD4BD0F}" type="datetimeFigureOut">
               <a:rPr kumimoji="1" lang="ja-JP" altLang="en-US" smtClean="0"/>
-              <a:t>2023/11/16</a:t>
+              <a:t>2023/11/17</a:t>
             </a:fld>
             <a:endParaRPr kumimoji="1" lang="ja-JP" altLang="en-US"/>
           </a:p>
@@ -4215,7 +4216,7 @@
           <a:p>
             <a:fld id="{911F3A23-125E-493B-AAC8-3A5D8AD4BD0F}" type="datetimeFigureOut">
               <a:rPr kumimoji="1" lang="ja-JP" altLang="en-US" smtClean="0"/>
-              <a:t>2023/11/16</a:t>
+              <a:t>2023/11/17</a:t>
             </a:fld>
             <a:endParaRPr kumimoji="1" lang="ja-JP" altLang="en-US"/>
           </a:p>
@@ -4653,7 +4654,7 @@
           <a:p>
             <a:fld id="{911F3A23-125E-493B-AAC8-3A5D8AD4BD0F}" type="datetimeFigureOut">
               <a:rPr kumimoji="1" lang="ja-JP" altLang="en-US" smtClean="0"/>
-              <a:t>2023/11/16</a:t>
+              <a:t>2023/11/17</a:t>
             </a:fld>
             <a:endParaRPr kumimoji="1" lang="ja-JP" altLang="en-US"/>
           </a:p>
@@ -4801,7 +4802,7 @@
           <a:p>
             <a:fld id="{911F3A23-125E-493B-AAC8-3A5D8AD4BD0F}" type="datetimeFigureOut">
               <a:rPr kumimoji="1" lang="ja-JP" altLang="en-US" smtClean="0"/>
-              <a:t>2023/11/16</a:t>
+              <a:t>2023/11/17</a:t>
             </a:fld>
             <a:endParaRPr kumimoji="1" lang="ja-JP" altLang="en-US"/>
           </a:p>
@@ -4926,7 +4927,7 @@
           <a:p>
             <a:fld id="{911F3A23-125E-493B-AAC8-3A5D8AD4BD0F}" type="datetimeFigureOut">
               <a:rPr kumimoji="1" lang="ja-JP" altLang="en-US" smtClean="0"/>
-              <a:t>2023/11/16</a:t>
+              <a:t>2023/11/17</a:t>
             </a:fld>
             <a:endParaRPr kumimoji="1" lang="ja-JP" altLang="en-US"/>
           </a:p>
@@ -5243,7 +5244,7 @@
           <a:p>
             <a:fld id="{911F3A23-125E-493B-AAC8-3A5D8AD4BD0F}" type="datetimeFigureOut">
               <a:rPr kumimoji="1" lang="ja-JP" altLang="en-US" smtClean="0"/>
-              <a:t>2023/11/16</a:t>
+              <a:t>2023/11/17</a:t>
             </a:fld>
             <a:endParaRPr kumimoji="1" lang="ja-JP" altLang="en-US"/>
           </a:p>
@@ -5567,7 +5568,7 @@
           <a:p>
             <a:fld id="{911F3A23-125E-493B-AAC8-3A5D8AD4BD0F}" type="datetimeFigureOut">
               <a:rPr kumimoji="1" lang="ja-JP" altLang="en-US" smtClean="0"/>
-              <a:t>2023/11/16</a:t>
+              <a:t>2023/11/17</a:t>
             </a:fld>
             <a:endParaRPr kumimoji="1" lang="ja-JP" altLang="en-US"/>
           </a:p>
@@ -5813,7 +5814,7 @@
           <a:p>
             <a:fld id="{911F3A23-125E-493B-AAC8-3A5D8AD4BD0F}" type="datetimeFigureOut">
               <a:rPr kumimoji="1" lang="ja-JP" altLang="en-US" smtClean="0"/>
-              <a:t>2023/11/16</a:t>
+              <a:t>2023/11/17</a:t>
             </a:fld>
             <a:endParaRPr kumimoji="1" lang="ja-JP" altLang="en-US"/>
           </a:p>
@@ -7470,11 +7471,7 @@
             </a:r>
             <a:r>
               <a:rPr lang="ja-JP" altLang="en-US" dirty="0"/>
-              <a:t>は特別扁の続編と</a:t>
-            </a:r>
-            <a:r>
-              <a:rPr lang="ja-JP" altLang="en-US"/>
-              <a:t>なっており</a:t>
+              <a:t>は特別扁の続編なので</a:t>
             </a:r>
             <a:endParaRPr lang="en-US" altLang="ja-JP" dirty="0"/>
           </a:p>
@@ -7482,12 +7479,20 @@
             <a:pPr marL="0" indent="0">
               <a:buNone/>
             </a:pPr>
+            <a:r>
+              <a:rPr kumimoji="1" lang="ja-JP" altLang="en-US" dirty="0"/>
+              <a:t>気になる人は触れてみてほしい。</a:t>
+            </a:r>
             <a:endParaRPr kumimoji="1" lang="en-US" altLang="ja-JP" dirty="0"/>
           </a:p>
           <a:p>
             <a:pPr marL="0" indent="0">
               <a:buNone/>
             </a:pPr>
+            <a:r>
+              <a:rPr lang="ja-JP" altLang="en-US" dirty="0"/>
+              <a:t>なお虫やグロ多めなのでご注意を。</a:t>
+            </a:r>
             <a:endParaRPr lang="en-US" altLang="ja-JP" dirty="0"/>
           </a:p>
           <a:p>
@@ -7670,6 +7675,99 @@
     <p:extLst>
       <p:ext uri="{BB962C8B-B14F-4D97-AF65-F5344CB8AC3E}">
         <p14:creationId xmlns:p14="http://schemas.microsoft.com/office/powerpoint/2010/main" val="942934784"/>
+      </p:ext>
+    </p:extLst>
+  </p:cSld>
+  <p:clrMapOvr>
+    <a:masterClrMapping/>
+  </p:clrMapOvr>
+</p:sld>
+</file>
+
+<file path=ppt/slides/slide5.xml><?xml version="1.0" encoding="utf-8"?>
+<p:sld xmlns:a="http://schemas.openxmlformats.org/drawingml/2006/main" xmlns:r="http://schemas.openxmlformats.org/officeDocument/2006/relationships" xmlns:p="http://schemas.openxmlformats.org/presentationml/2006/main">
+  <p:cSld>
+    <p:spTree>
+      <p:nvGrpSpPr>
+        <p:cNvPr id="1" name=""/>
+        <p:cNvGrpSpPr/>
+        <p:nvPr/>
+      </p:nvGrpSpPr>
+      <p:grpSpPr>
+        <a:xfrm>
+          <a:off x="0" y="0"/>
+          <a:ext cx="0" cy="0"/>
+          <a:chOff x="0" y="0"/>
+          <a:chExt cx="0" cy="0"/>
+        </a:xfrm>
+      </p:grpSpPr>
+      <p:sp>
+        <p:nvSpPr>
+          <p:cNvPr id="2" name="タイトル 1">
+            <a:extLst>
+              <a:ext uri="{FF2B5EF4-FFF2-40B4-BE49-F238E27FC236}">
+                <a16:creationId xmlns:a16="http://schemas.microsoft.com/office/drawing/2014/main" id="{87569F5E-0C78-4E17-A5C8-9BA1D8E34F4A}"/>
+              </a:ext>
+            </a:extLst>
+          </p:cNvPr>
+          <p:cNvSpPr>
+            <a:spLocks noGrp="1"/>
+          </p:cNvSpPr>
+          <p:nvPr>
+            <p:ph type="title"/>
+          </p:nvPr>
+        </p:nvSpPr>
+        <p:spPr/>
+        <p:txBody>
+          <a:bodyPr/>
+          <a:lstStyle/>
+          <a:p>
+            <a:r>
+              <a:rPr kumimoji="1" lang="ja-JP" altLang="en-US" dirty="0"/>
+              <a:t>弟切草</a:t>
+            </a:r>
+          </a:p>
+        </p:txBody>
+      </p:sp>
+      <p:pic>
+        <p:nvPicPr>
+          <p:cNvPr id="5" name="コンテンツ プレースホルダー 4">
+            <a:extLst>
+              <a:ext uri="{FF2B5EF4-FFF2-40B4-BE49-F238E27FC236}">
+                <a16:creationId xmlns:a16="http://schemas.microsoft.com/office/drawing/2014/main" id="{2259C8F7-6380-4536-97ED-726E0561D8A5}"/>
+              </a:ext>
+            </a:extLst>
+          </p:cNvPr>
+          <p:cNvPicPr>
+            <a:picLocks noGrp="1" noChangeAspect="1"/>
+          </p:cNvPicPr>
+          <p:nvPr>
+            <p:ph sz="quarter" idx="13"/>
+          </p:nvPr>
+        </p:nvPicPr>
+        <p:blipFill>
+          <a:blip r:embed="rId2">
+            <a:extLst>
+              <a:ext uri="{28A0092B-C50C-407E-A947-70E740481C1C}">
+                <a14:useLocalDpi xmlns:a14="http://schemas.microsoft.com/office/drawing/2010/main" val="0"/>
+              </a:ext>
+            </a:extLst>
+          </a:blip>
+          <a:stretch>
+            <a:fillRect/>
+          </a:stretch>
+        </p:blipFill>
+        <p:spPr>
+          <a:xfrm>
+            <a:off x="3213907" y="134787"/>
+            <a:ext cx="1303892" cy="1931080"/>
+          </a:xfrm>
+        </p:spPr>
+      </p:pic>
+    </p:spTree>
+    <p:extLst>
+      <p:ext uri="{BB962C8B-B14F-4D97-AF65-F5344CB8AC3E}">
+        <p14:creationId xmlns:p14="http://schemas.microsoft.com/office/powerpoint/2010/main" val="670835319"/>
       </p:ext>
     </p:extLst>
   </p:cSld>
